--- a/talks/SQL Performance Tuning.pptx
+++ b/talks/SQL Performance Tuning.pptx
@@ -273,7 +273,7 @@
           <a:p>
             <a:fld id="{2EC6D7D3-D007-4AF3-BFF3-37DA44A64D9C}" type="datetimeFigureOut">
               <a:rPr lang="en-US" smtClean="0"/>
-              <a:t>10/7/2019</a:t>
+              <a:t>10/8/2019</a:t>
             </a:fld>
             <a:endParaRPr lang="en-US"/>
           </a:p>
@@ -471,7 +471,7 @@
           <a:p>
             <a:fld id="{2EC6D7D3-D007-4AF3-BFF3-37DA44A64D9C}" type="datetimeFigureOut">
               <a:rPr lang="en-US" smtClean="0"/>
-              <a:t>10/7/2019</a:t>
+              <a:t>10/8/2019</a:t>
             </a:fld>
             <a:endParaRPr lang="en-US"/>
           </a:p>
@@ -679,7 +679,7 @@
           <a:p>
             <a:fld id="{2EC6D7D3-D007-4AF3-BFF3-37DA44A64D9C}" type="datetimeFigureOut">
               <a:rPr lang="en-US" smtClean="0"/>
-              <a:t>10/7/2019</a:t>
+              <a:t>10/8/2019</a:t>
             </a:fld>
             <a:endParaRPr lang="en-US"/>
           </a:p>
@@ -877,7 +877,7 @@
           <a:p>
             <a:fld id="{2EC6D7D3-D007-4AF3-BFF3-37DA44A64D9C}" type="datetimeFigureOut">
               <a:rPr lang="en-US" smtClean="0"/>
-              <a:t>10/7/2019</a:t>
+              <a:t>10/8/2019</a:t>
             </a:fld>
             <a:endParaRPr lang="en-US"/>
           </a:p>
@@ -1152,7 +1152,7 @@
           <a:p>
             <a:fld id="{2EC6D7D3-D007-4AF3-BFF3-37DA44A64D9C}" type="datetimeFigureOut">
               <a:rPr lang="en-US" smtClean="0"/>
-              <a:t>10/7/2019</a:t>
+              <a:t>10/8/2019</a:t>
             </a:fld>
             <a:endParaRPr lang="en-US"/>
           </a:p>
@@ -1417,7 +1417,7 @@
           <a:p>
             <a:fld id="{2EC6D7D3-D007-4AF3-BFF3-37DA44A64D9C}" type="datetimeFigureOut">
               <a:rPr lang="en-US" smtClean="0"/>
-              <a:t>10/7/2019</a:t>
+              <a:t>10/8/2019</a:t>
             </a:fld>
             <a:endParaRPr lang="en-US"/>
           </a:p>
@@ -1829,7 +1829,7 @@
           <a:p>
             <a:fld id="{2EC6D7D3-D007-4AF3-BFF3-37DA44A64D9C}" type="datetimeFigureOut">
               <a:rPr lang="en-US" smtClean="0"/>
-              <a:t>10/7/2019</a:t>
+              <a:t>10/8/2019</a:t>
             </a:fld>
             <a:endParaRPr lang="en-US"/>
           </a:p>
@@ -1970,7 +1970,7 @@
           <a:p>
             <a:fld id="{2EC6D7D3-D007-4AF3-BFF3-37DA44A64D9C}" type="datetimeFigureOut">
               <a:rPr lang="en-US" smtClean="0"/>
-              <a:t>10/7/2019</a:t>
+              <a:t>10/8/2019</a:t>
             </a:fld>
             <a:endParaRPr lang="en-US"/>
           </a:p>
@@ -2083,7 +2083,7 @@
           <a:p>
             <a:fld id="{2EC6D7D3-D007-4AF3-BFF3-37DA44A64D9C}" type="datetimeFigureOut">
               <a:rPr lang="en-US" smtClean="0"/>
-              <a:t>10/7/2019</a:t>
+              <a:t>10/8/2019</a:t>
             </a:fld>
             <a:endParaRPr lang="en-US"/>
           </a:p>
@@ -2394,7 +2394,7 @@
           <a:p>
             <a:fld id="{2EC6D7D3-D007-4AF3-BFF3-37DA44A64D9C}" type="datetimeFigureOut">
               <a:rPr lang="en-US" smtClean="0"/>
-              <a:t>10/7/2019</a:t>
+              <a:t>10/8/2019</a:t>
             </a:fld>
             <a:endParaRPr lang="en-US"/>
           </a:p>
@@ -2682,7 +2682,7 @@
           <a:p>
             <a:fld id="{2EC6D7D3-D007-4AF3-BFF3-37DA44A64D9C}" type="datetimeFigureOut">
               <a:rPr lang="en-US" smtClean="0"/>
-              <a:t>10/7/2019</a:t>
+              <a:t>10/8/2019</a:t>
             </a:fld>
             <a:endParaRPr lang="en-US"/>
           </a:p>
@@ -2923,7 +2923,7 @@
           <a:p>
             <a:fld id="{2EC6D7D3-D007-4AF3-BFF3-37DA44A64D9C}" type="datetimeFigureOut">
               <a:rPr lang="en-US" smtClean="0"/>
-              <a:t>10/7/2019</a:t>
+              <a:t>10/8/2019</a:t>
             </a:fld>
             <a:endParaRPr lang="en-US"/>
           </a:p>
@@ -10724,26 +10724,21 @@
           <a:p>
             <a:r>
               <a:rPr lang="en-US" dirty="0"/>
-              <a:t>DB Specifics</a:t>
+              <a:t>Next time: DB Specifics</a:t>
             </a:r>
           </a:p>
           <a:p>
             <a:pPr lvl="1"/>
             <a:r>
               <a:rPr lang="en-US" dirty="0"/>
-              <a:t>Oracle explain plan, </a:t>
-            </a:r>
-            <a:r>
-              <a:rPr lang="en-US" dirty="0" err="1"/>
-              <a:t>autotrace</a:t>
-            </a:r>
-            <a:r>
-              <a:rPr lang="en-US" dirty="0"/>
-              <a:t>, </a:t>
-            </a:r>
-            <a:r>
-              <a:rPr lang="en-US" dirty="0" err="1"/>
-              <a:t>etc</a:t>
+              <a:t>Advanced Indexes and Data organization (Column DBs, Bitmapped Indexes)</a:t>
+            </a:r>
+          </a:p>
+          <a:p>
+            <a:pPr lvl="1"/>
+            <a:r>
+              <a:rPr lang="en-US"/>
+              <a:t>Vendor specific “explain” plans</a:t>
             </a:r>
             <a:endParaRPr lang="en-US" dirty="0"/>
           </a:p>
@@ -10755,6 +10750,7 @@
             </a:r>
           </a:p>
           <a:p>
+            <a:pPr lvl="1"/>
             <a:r>
               <a:rPr lang="en-US" dirty="0"/>
               <a:t>Putting it together in practice</a:t>
@@ -18116,7 +18112,7 @@
         </p:nvSpPr>
         <p:spPr>
           <a:xfrm>
-            <a:off x="6801025" y="6433526"/>
+            <a:off x="7017843" y="6561985"/>
             <a:ext cx="3276474" cy="276999"/>
           </a:xfrm>
           <a:prstGeom prst="rect">
@@ -20004,7 +20000,7 @@
         </p:nvSpPr>
         <p:spPr>
           <a:xfrm>
-            <a:off x="6880335" y="6840096"/>
+            <a:off x="7075220" y="6551027"/>
             <a:ext cx="3276474" cy="276999"/>
           </a:xfrm>
           <a:prstGeom prst="rect">
